--- a/datathon2025_quAintly_presentation.pptx
+++ b/datathon2025_quAintly_presentation.pptx
@@ -109,6 +109,11 @@
       </a:defRPr>
     </a:lvl9pPr>
   </p:defaultTextStyle>
+  <p:extLst>
+    <p:ext uri="{EFAFB233-063F-42B5-8137-9DF3F51BA10A}">
+      <p15:sldGuideLst xmlns:p15="http://schemas.microsoft.com/office/powerpoint/2012/main"/>
+    </p:ext>
+  </p:extLst>
 </p:presentation>
 </file>
 
@@ -5426,7 +5431,7 @@
         <p:spPr>
           <a:xfrm>
             <a:off x="8191695" y="2715491"/>
-            <a:ext cx="3935650" cy="923330"/>
+            <a:ext cx="3935650" cy="1477328"/>
           </a:xfrm>
           <a:prstGeom prst="rect">
             <a:avLst/>
@@ -5458,8 +5463,53 @@
               <a:t> consumer level) : ~230’000</a:t>
             </a:r>
           </a:p>
-        </p:txBody>
-      </p:sp>
+          <a:p>
+            <a:endParaRPr lang="en-US" dirty="0"/>
+          </a:p>
+          <a:p>
+            <a:r>
+              <a:rPr lang="en-US" dirty="0"/>
+              <a:t>Reminder score:</a:t>
+            </a:r>
+          </a:p>
+        </p:txBody>
+      </p:sp>
+      <p:pic>
+        <p:nvPicPr>
+          <p:cNvPr id="4" name="Picture 3" descr="A black text with a white background&#10;&#10;AI-generated content may be incorrect.">
+            <a:extLst>
+              <a:ext uri="{FF2B5EF4-FFF2-40B4-BE49-F238E27FC236}">
+                <a16:creationId xmlns:a16="http://schemas.microsoft.com/office/drawing/2014/main" id="{ABC77A00-60B4-B4CE-62F6-6BDF83F89996}"/>
+              </a:ext>
+            </a:extLst>
+          </p:cNvPr>
+          <p:cNvPicPr>
+            <a:picLocks noChangeAspect="1"/>
+          </p:cNvPicPr>
+          <p:nvPr/>
+        </p:nvPicPr>
+        <p:blipFill>
+          <a:blip r:embed="rId3">
+            <a:extLst>
+              <a:ext uri="{28A0092B-C50C-407E-A947-70E740481C1C}">
+                <a14:useLocalDpi xmlns:a14="http://schemas.microsoft.com/office/drawing/2010/main" val="0"/>
+              </a:ext>
+            </a:extLst>
+          </a:blip>
+          <a:stretch>
+            <a:fillRect/>
+          </a:stretch>
+        </p:blipFill>
+        <p:spPr>
+          <a:xfrm>
+            <a:off x="8191695" y="4213986"/>
+            <a:ext cx="3130711" cy="762039"/>
+          </a:xfrm>
+          <a:prstGeom prst="rect">
+            <a:avLst/>
+          </a:prstGeom>
+        </p:spPr>
+      </p:pic>
     </p:spTree>
     <p:extLst>
       <p:ext uri="{BB962C8B-B14F-4D97-AF65-F5344CB8AC3E}">
